--- a/fig1_update.pptx
+++ b/fig1_update.pptx
@@ -2987,7 +2987,7 @@
       </p:grpSpPr>
       <p:pic>
         <p:nvPicPr>
-          <p:cNvPr id="4" name="Picture 3"/>
+          <p:cNvPr id="35" name="Picture 34"/>
           <p:cNvPicPr>
             <a:picLocks noChangeAspect="1"/>
           </p:cNvPicPr>
@@ -3007,20 +3007,17 @@
         </p:blipFill>
         <p:spPr>
           <a:xfrm>
-            <a:off x="3654280" y="4302319"/>
+            <a:off x="3650667" y="4302319"/>
             <a:ext cx="1440180" cy="1920240"/>
           </a:xfrm>
           <a:prstGeom prst="rect">
             <a:avLst/>
           </a:prstGeom>
-          <a:ln>
-            <a:noFill/>
-          </a:ln>
         </p:spPr>
       </p:pic>
       <p:pic>
         <p:nvPicPr>
-          <p:cNvPr id="5" name="Picture 4"/>
+          <p:cNvPr id="34" name="Picture 33"/>
           <p:cNvPicPr>
             <a:picLocks noChangeAspect="1"/>
           </p:cNvPicPr>
@@ -3040,21 +3037,17 @@
         </p:blipFill>
         <p:spPr>
           <a:xfrm>
-            <a:off x="2170448" y="4302106"/>
+            <a:off x="2164180" y="4302319"/>
             <a:ext cx="1440180" cy="1920240"/>
           </a:xfrm>
           <a:prstGeom prst="rect">
             <a:avLst/>
           </a:prstGeom>
-          <a:noFill/>
-          <a:ln>
-            <a:noFill/>
-          </a:ln>
         </p:spPr>
       </p:pic>
       <p:pic>
         <p:nvPicPr>
-          <p:cNvPr id="6" name="Picture 5"/>
+          <p:cNvPr id="33" name="Picture 32"/>
           <p:cNvPicPr>
             <a:picLocks noChangeAspect="1"/>
           </p:cNvPicPr>
@@ -3074,20 +3067,17 @@
         </p:blipFill>
         <p:spPr>
           <a:xfrm>
-            <a:off x="686617" y="4302319"/>
+            <a:off x="677693" y="4302399"/>
             <a:ext cx="1440180" cy="1920240"/>
           </a:xfrm>
           <a:prstGeom prst="rect">
             <a:avLst/>
           </a:prstGeom>
-          <a:ln>
-            <a:noFill/>
-          </a:ln>
         </p:spPr>
       </p:pic>
       <p:pic>
         <p:nvPicPr>
-          <p:cNvPr id="7" name="Picture 6"/>
+          <p:cNvPr id="32" name="Picture 31"/>
           <p:cNvPicPr>
             <a:picLocks noChangeAspect="1"/>
           </p:cNvPicPr>
@@ -3107,7 +3097,7 @@
         </p:blipFill>
         <p:spPr>
           <a:xfrm>
-            <a:off x="4694941" y="1699097"/>
+            <a:off x="4690812" y="1699097"/>
             <a:ext cx="1440180" cy="1920240"/>
           </a:xfrm>
           <a:prstGeom prst="rect">
@@ -3117,7 +3107,7 @@
       </p:pic>
       <p:pic>
         <p:nvPicPr>
-          <p:cNvPr id="8" name="Picture 7"/>
+          <p:cNvPr id="2" name="Picture 1"/>
           <p:cNvPicPr>
             <a:picLocks noChangeAspect="1"/>
           </p:cNvPicPr>
@@ -3137,7 +3127,7 @@
         </p:blipFill>
         <p:spPr>
           <a:xfrm>
-            <a:off x="2589168" y="1699097"/>
+            <a:off x="2566379" y="1699097"/>
             <a:ext cx="2256282" cy="1920240"/>
           </a:xfrm>
           <a:prstGeom prst="rect">
@@ -3468,7 +3458,7 @@
         </p:nvSpPr>
         <p:spPr>
           <a:xfrm>
-            <a:off x="4381500" y="3342338"/>
+            <a:off x="4351020" y="3342338"/>
             <a:ext cx="463950" cy="86662"/>
           </a:xfrm>
           <a:prstGeom prst="rect">
@@ -5073,12 +5063,16 @@
             <a:graphicFrameLocks noGrp="1"/>
           </p:cNvGraphicFramePr>
           <p:nvPr>
-            <p:extLst/>
+            <p:extLst>
+              <p:ext uri="{D42A27DB-BD31-4B8C-83A1-F6EECF244321}">
+                <p14:modId xmlns:p14="http://schemas.microsoft.com/office/powerpoint/2010/main" val="3913857830"/>
+              </p:ext>
+            </p:extLst>
           </p:nvPr>
         </p:nvGraphicFramePr>
         <p:xfrm>
           <a:off x="4472535" y="3413811"/>
-          <a:ext cx="1715444" cy="2074884"/>
+          <a:ext cx="1715444" cy="1952964"/>
         </p:xfrm>
         <a:graphic>
           <a:graphicData uri="http://schemas.openxmlformats.org/drawingml/2006/table">
@@ -5125,12 +5119,16 @@
                     <a:lstStyle/>
                     <a:p>
                       <a:r>
-                        <a:rPr lang="en-US" sz="800" dirty="0">
+                        <a:rPr lang="en-US" sz="800" dirty="0" smtClean="0">
                           <a:latin typeface="Arial" panose="020B0604020202020204" pitchFamily="34" charset="0"/>
                           <a:cs typeface="Arial" panose="020B0604020202020204" pitchFamily="34" charset="0"/>
                         </a:rPr>
-                        <a:t>ROC AUC</a:t>
+                        <a:t>AUROC</a:t>
                       </a:r>
+                      <a:endParaRPr lang="en-US" sz="800" dirty="0">
+                        <a:latin typeface="Arial" panose="020B0604020202020204" pitchFamily="34" charset="0"/>
+                        <a:cs typeface="Arial" panose="020B0604020202020204" pitchFamily="34" charset="0"/>
+                      </a:endParaRPr>
                     </a:p>
                   </a:txBody>
                   <a:tcPr/>
@@ -7885,14 +7883,21 @@
                 <a:latin typeface="Arial" panose="020B0604020202020204" pitchFamily="34" charset="0"/>
                 <a:cs typeface="Arial" panose="020B0604020202020204" pitchFamily="34" charset="0"/>
               </a:rPr>
-              <a:t>measured as the ROC </a:t>
+              <a:t>measured as </a:t>
+            </a:r>
+            <a:r>
+              <a:rPr lang="en-US" sz="1000" dirty="0">
+                <a:latin typeface="Arial" panose="020B0604020202020204" pitchFamily="34" charset="0"/>
+                <a:cs typeface="Arial" panose="020B0604020202020204" pitchFamily="34" charset="0"/>
+              </a:rPr>
+              <a:t>area under the receiver operating characteristic (AUROC</a:t>
             </a:r>
             <a:r>
               <a:rPr lang="en-US" sz="1000" dirty="0" smtClean="0">
                 <a:latin typeface="Arial" panose="020B0604020202020204" pitchFamily="34" charset="0"/>
                 <a:cs typeface="Arial" panose="020B0604020202020204" pitchFamily="34" charset="0"/>
               </a:rPr>
-              <a:t>AUC.</a:t>
+              <a:t>).</a:t>
             </a:r>
             <a:endParaRPr lang="en-US" sz="1000" dirty="0">
               <a:solidFill>
